--- a/Помощник учителя/Помошник учителя презентация.pptx
+++ b/Помощник учителя/Помошник учителя презентация.pptx
@@ -15,6 +15,7 @@
     <p:sldId id="272" r:id="rId9"/>
     <p:sldId id="273" r:id="rId10"/>
     <p:sldId id="274" r:id="rId11"/>
+    <p:sldId id="275" r:id="rId12"/>
   </p:sldIdLst>
   <p:sldSz cx="9144000" cy="6858000" type="screen4x3"/>
   <p:notesSz cx="6858000" cy="9723438"/>
@@ -113,6 +114,11 @@
       </a:defRPr>
     </a:lvl9pPr>
   </p:defaultTextStyle>
+  <p:extLst>
+    <p:ext uri="{EFAFB233-063F-42B5-8137-9DF3F51BA10A}">
+      <p15:sldGuideLst xmlns:p15="http://schemas.microsoft.com/office/powerpoint/2012/main"/>
+    </p:ext>
+  </p:extLst>
 </p:presentation>
 </file>
 
@@ -172,7 +178,7 @@
           <a:p>
             <a:fld id="{815024EA-436F-4623-BE78-AECB81036AE0}" type="datetimeFigureOut">
               <a:rPr lang="ru-RU" smtClean="0"/>
-              <a:t>19.11.2020</a:t>
+              <a:t>14.03.2025</a:t>
             </a:fld>
             <a:endParaRPr lang="ru-RU"/>
           </a:p>
@@ -383,7 +389,7 @@
           <a:p>
             <a:fld id="{815024EA-436F-4623-BE78-AECB81036AE0}" type="datetimeFigureOut">
               <a:rPr lang="ru-RU" smtClean="0"/>
-              <a:t>19.11.2020</a:t>
+              <a:t>14.03.2025</a:t>
             </a:fld>
             <a:endParaRPr lang="ru-RU"/>
           </a:p>
@@ -1384,6 +1390,132 @@
     <p:extLst>
       <p:ext uri="{BB962C8B-B14F-4D97-AF65-F5344CB8AC3E}">
         <p14:creationId xmlns:p14="http://schemas.microsoft.com/office/powerpoint/2010/main" val="1255260131"/>
+      </p:ext>
+    </p:extLst>
+  </p:cSld>
+  <p:clrMapOvr>
+    <a:masterClrMapping/>
+  </p:clrMapOvr>
+</p:sld>
+</file>
+
+<file path=ppt/slides/slide11.xml><?xml version="1.0" encoding="utf-8"?>
+<p:sld xmlns:a="http://schemas.openxmlformats.org/drawingml/2006/main" xmlns:r="http://schemas.openxmlformats.org/officeDocument/2006/relationships" xmlns:p="http://schemas.openxmlformats.org/presentationml/2006/main">
+  <p:cSld>
+    <p:spTree>
+      <p:nvGrpSpPr>
+        <p:cNvPr id="1" name=""/>
+        <p:cNvGrpSpPr/>
+        <p:nvPr/>
+      </p:nvGrpSpPr>
+      <p:grpSpPr>
+        <a:xfrm>
+          <a:off x="0" y="0"/>
+          <a:ext cx="0" cy="0"/>
+          <a:chOff x="0" y="0"/>
+          <a:chExt cx="0" cy="0"/>
+        </a:xfrm>
+      </p:grpSpPr>
+      <p:sp>
+        <p:nvSpPr>
+          <p:cNvPr id="2" name="Заголовок 1">
+            <a:extLst>
+              <a:ext uri="{FF2B5EF4-FFF2-40B4-BE49-F238E27FC236}">
+                <a16:creationId xmlns:a16="http://schemas.microsoft.com/office/drawing/2014/main" id="{421CCD7E-AE21-44A3-25BA-34993E41820C}"/>
+              </a:ext>
+            </a:extLst>
+          </p:cNvPr>
+          <p:cNvSpPr>
+            <a:spLocks noGrp="1"/>
+          </p:cNvSpPr>
+          <p:nvPr>
+            <p:ph type="title"/>
+          </p:nvPr>
+        </p:nvSpPr>
+        <p:spPr>
+          <a:xfrm>
+            <a:off x="457200" y="274637"/>
+            <a:ext cx="8686800" cy="5342392"/>
+          </a:xfrm>
+        </p:spPr>
+        <p:txBody>
+          <a:bodyPr>
+            <a:normAutofit fontScale="90000"/>
+          </a:bodyPr>
+          <a:lstStyle/>
+          <a:p>
+            <a:pPr algn="l"/>
+            <a:r>
+              <a:rPr lang="en-US" dirty="0"/>
+              <a:t>P.s. </a:t>
+            </a:r>
+            <a:r>
+              <a:rPr lang="ru-RU" dirty="0"/>
+              <a:t>В 2021 году была создана </a:t>
+            </a:r>
+            <a:r>
+              <a:rPr lang="en-US" dirty="0"/>
+              <a:t>web-</a:t>
+            </a:r>
+            <a:r>
+              <a:rPr lang="ru-RU" dirty="0"/>
+              <a:t>версия приложения</a:t>
+            </a:r>
+            <a:r>
+              <a:rPr lang="en-US" dirty="0"/>
+              <a:t>,</a:t>
+            </a:r>
+            <a:r>
+              <a:rPr lang="ru-RU" dirty="0"/>
+              <a:t> с уменьшенной функциональностью (не было доски для рисования) и произведена интеграция с </a:t>
+            </a:r>
+            <a:r>
+              <a:rPr lang="en-US" dirty="0"/>
+              <a:t>desktop-</a:t>
+            </a:r>
+            <a:r>
+              <a:rPr lang="ru-RU" dirty="0"/>
+              <a:t>версией. </a:t>
+            </a:r>
+            <a:br>
+              <a:rPr lang="ru-RU" dirty="0"/>
+            </a:br>
+            <a:r>
+              <a:rPr lang="en-US" dirty="0"/>
+              <a:t>WEB </a:t>
+            </a:r>
+            <a:r>
+              <a:rPr lang="ru-RU" dirty="0"/>
+              <a:t>версия была разработана в команде с </a:t>
+            </a:r>
+            <a:r>
+              <a:rPr lang="ru-RU" u="sng" dirty="0"/>
+              <a:t>Ксенией Сушилиной</a:t>
+            </a:r>
+            <a:r>
+              <a:rPr lang="ru-RU" dirty="0"/>
+              <a:t>.</a:t>
+            </a:r>
+            <a:br>
+              <a:rPr lang="ru-RU" dirty="0"/>
+            </a:br>
+            <a:r>
+              <a:rPr lang="en-US" sz="2200" dirty="0">
+                <a:hlinkClick r:id="rId2"/>
+              </a:rPr>
+              <a:t>https://vk.com/keysi1</a:t>
+            </a:r>
+            <a:br>
+              <a:rPr lang="ru-RU" sz="2200" dirty="0"/>
+            </a:br>
+            <a:endParaRPr lang="ru-RU" sz="2200" dirty="0"/>
+          </a:p>
+        </p:txBody>
+      </p:sp>
+    </p:spTree>
+    <p:extLst>
+      <p:ext uri="{BB962C8B-B14F-4D97-AF65-F5344CB8AC3E}">
+        <p14:creationId xmlns:p14="http://schemas.microsoft.com/office/powerpoint/2010/main" val="3334489565"/>
       </p:ext>
     </p:extLst>
   </p:cSld>
